--- a/refactoring-code/代码重构——《易筋经》.pptx
+++ b/refactoring-code/代码重构——《易筋经》.pptx
@@ -150,7 +150,7 @@
   </p:defaultTextStyle>
   <p:extLst>
     <p:ext uri="{EFAFB233-063F-42B5-8137-9DF3F51BA10A}">
-      <p15:sldGuideLst xmlns:p15="http://schemas.microsoft.com/office/powerpoint/2012/main" xmlns="">
+      <p15:sldGuideLst xmlns="" xmlns:p15="http://schemas.microsoft.com/office/powerpoint/2012/main">
         <p15:guide id="1" orient="horz" pos="1620">
           <p15:clr>
             <a:srgbClr val="A4A3A4"/>
@@ -184,7 +184,7 @@
       </p15:sldGuideLst>
     </p:ext>
     <p:ext uri="{2D200454-40CA-4A62-9FC3-DE9A4176ACB9}">
-      <p15:notesGuideLst xmlns:p15="http://schemas.microsoft.com/office/powerpoint/2012/main" xmlns="">
+      <p15:notesGuideLst xmlns="" xmlns:p15="http://schemas.microsoft.com/office/powerpoint/2012/main">
         <p15:guide id="1" orient="horz" pos="2880">
           <p15:clr>
             <a:srgbClr val="A4A3A4"/>
@@ -283,7 +283,7 @@
           <a:p>
             <a:fld id="{2EE3A239-6729-4313-A5A4-C57CD5337B8F}" type="datetimeFigureOut">
               <a:rPr lang="zh-CN" altLang="en-US" smtClean="0"/>
-              <a:t>2018/8/13</a:t>
+              <a:t>2018/8/15</a:t>
             </a:fld>
             <a:endParaRPr lang="zh-CN" altLang="en-US"/>
           </a:p>
@@ -448,7 +448,7 @@
           <a:p>
             <a:fld id="{4CFA2EEE-5100-4720-B559-F5B220CAF519}" type="datetimeFigureOut">
               <a:rPr lang="zh-CN" altLang="en-US" smtClean="0"/>
-              <a:t>2018/8/13</a:t>
+              <a:t>2018/8/15</a:t>
             </a:fld>
             <a:endParaRPr lang="zh-CN" altLang="en-US"/>
           </a:p>
@@ -16667,7 +16667,6 @@
               <a:rPr lang="zh-CN" altLang="en-US" dirty="0"/>
               <a:t>悟</a:t>
             </a:r>
-            <a:endParaRPr lang="zh-CN" altLang="en-US" dirty="0"/>
           </a:p>
         </p:txBody>
       </p:sp>
@@ -16745,7 +16744,7 @@
         <p:spPr>
           <a:xfrm>
             <a:off x="6228184" y="1629622"/>
-            <a:ext cx="1152128" cy="2031325"/>
+            <a:ext cx="1800200" cy="2031325"/>
           </a:xfrm>
           <a:prstGeom prst="rect">
             <a:avLst/>
@@ -16769,8 +16768,13 @@
           <a:p>
             <a:r>
               <a:rPr lang="en-US" altLang="zh-CN" dirty="0" smtClean="0"/>
-              <a:t>Why</a:t>
-            </a:r>
+              <a:t>Why </a:t>
+            </a:r>
+            <a:r>
+              <a:rPr lang="en-US" altLang="zh-CN" dirty="0" smtClean="0"/>
+              <a:t>or Where</a:t>
+            </a:r>
+            <a:endParaRPr lang="en-US" altLang="zh-CN" dirty="0" smtClean="0"/>
           </a:p>
           <a:p>
             <a:endParaRPr lang="en-US" altLang="zh-CN" dirty="0" smtClean="0"/>
@@ -17105,7 +17109,6 @@
               <a:rPr lang="zh-CN" altLang="en-US" dirty="0"/>
               <a:t>悟</a:t>
             </a:r>
-            <a:endParaRPr lang="zh-CN" altLang="en-US" dirty="0"/>
           </a:p>
         </p:txBody>
       </p:sp>
